--- a/Docs/ICA_G5_ML_Crop_Consultant.pptx
+++ b/Docs/ICA_G5_ML_Crop_Consultant.pptx
@@ -3936,8 +3936,8 @@
         </p:nvSpPr>
         <p:spPr>
           <a:xfrm>
-            <a:off x="2039679" y="3810000"/>
-            <a:ext cx="6400800" cy="533400"/>
+            <a:off x="2667000" y="3804355"/>
+            <a:ext cx="3810000" cy="533400"/>
           </a:xfrm>
         </p:spPr>
         <p:txBody>
@@ -3953,7 +3953,7 @@
                   <a:srgbClr val="C00000"/>
                 </a:solidFill>
               </a:rPr>
-              <a:t>Guide :Faculty Name</a:t>
+              <a:t>Guide : Milind Rane</a:t>
             </a:r>
           </a:p>
         </p:txBody>
@@ -4005,8 +4005,8 @@
         </p:nvSpPr>
         <p:spPr>
           <a:xfrm>
-            <a:off x="1714500" y="4541661"/>
-            <a:ext cx="5715000" cy="1323439"/>
+            <a:off x="2667000" y="4541660"/>
+            <a:ext cx="3810000" cy="1446550"/>
           </a:xfrm>
           <a:prstGeom prst="rect">
             <a:avLst/>
@@ -4020,25 +4020,25 @@
           <a:lstStyle/>
           <a:p>
             <a:r>
-              <a:rPr lang="en-IN" sz="2000" dirty="0"/>
+              <a:rPr lang="en-IN" sz="2200" dirty="0"/>
               <a:t>	1. Vishal Hake - 65</a:t>
             </a:r>
           </a:p>
           <a:p>
             <a:r>
-              <a:rPr lang="en-IN" sz="2000" dirty="0"/>
+              <a:rPr lang="en-IN" sz="2200" dirty="0"/>
               <a:t>	2. Aditya Hingole - 66</a:t>
             </a:r>
           </a:p>
           <a:p>
             <a:r>
-              <a:rPr lang="en-IN" sz="2000" dirty="0"/>
+              <a:rPr lang="en-IN" sz="2200" dirty="0"/>
               <a:t>	3. Pratik Hublikar - 67</a:t>
             </a:r>
           </a:p>
           <a:p>
             <a:r>
-              <a:rPr lang="en-IN" sz="2000" dirty="0"/>
+              <a:rPr lang="en-IN" sz="2200" dirty="0"/>
               <a:t>	4. Atharva Ingle - 68</a:t>
             </a:r>
           </a:p>
@@ -5330,8 +5330,8 @@
         </p:nvSpPr>
         <p:spPr>
           <a:xfrm>
-            <a:off x="762000" y="4343400"/>
-            <a:ext cx="8229600" cy="1279261"/>
+            <a:off x="571500" y="4343400"/>
+            <a:ext cx="8229600" cy="1222707"/>
           </a:xfrm>
           <a:prstGeom prst="rect">
             <a:avLst/>
@@ -5344,7 +5344,7 @@
           </a:bodyPr>
           <a:lstStyle/>
           <a:p>
-            <a:pPr marL="342900" indent="-342900">
+            <a:pPr marL="342900" indent="-342900" algn="ctr">
               <a:lnSpc>
                 <a:spcPct val="200000"/>
               </a:lnSpc>
@@ -5352,7 +5352,7 @@
               <a:buChar char="•"/>
             </a:pPr>
             <a:r>
-              <a:rPr lang="en-IN" sz="2100" dirty="0">
+              <a:rPr lang="en-IN" sz="2000" dirty="0">
                 <a:solidFill>
                   <a:srgbClr val="C00000"/>
                 </a:solidFill>
@@ -5361,7 +5361,7 @@
               </a:rPr>
               <a:t>For crop recommendation system best performing model is XGBoost</a:t>
             </a:r>
-            <a:endParaRPr lang="en-IN" sz="2100" dirty="0">
+            <a:endParaRPr lang="en-IN" sz="2000" dirty="0">
               <a:solidFill>
                 <a:srgbClr val="002060"/>
               </a:solidFill>
@@ -6344,7 +6344,7 @@
         <p:spPr>
           <a:xfrm>
             <a:off x="571500" y="990600"/>
-            <a:ext cx="8229600" cy="3046988"/>
+            <a:ext cx="8229600" cy="4721292"/>
           </a:xfrm>
           <a:prstGeom prst="rect">
             <a:avLst/>
@@ -6365,14 +6365,14 @@
               <a:buChar char="•"/>
             </a:pPr>
             <a:r>
-              <a:rPr lang="en-IN" sz="2400" i="1" dirty="0">
+              <a:rPr lang="en-IN" sz="2200" dirty="0">
                 <a:solidFill>
-                  <a:srgbClr val="C00000"/>
+                  <a:srgbClr val="002060"/>
                 </a:solidFill>
                 <a:latin typeface="Verdana" panose="020B0604030504040204" pitchFamily="34" charset="0"/>
                 <a:ea typeface="Verdana" panose="020B0604030504040204" pitchFamily="34" charset="0"/>
               </a:rPr>
-              <a:t>Point 1 Description</a:t>
+              <a:t>Ensemble techniques works best on most of the dataset and same is the observation we got.</a:t>
             </a:r>
           </a:p>
           <a:p>
@@ -6384,14 +6384,14 @@
               <a:buChar char="•"/>
             </a:pPr>
             <a:r>
-              <a:rPr lang="en-IN" sz="2400" i="1" dirty="0">
+              <a:rPr lang="en-IN" sz="2200" dirty="0">
                 <a:solidFill>
                   <a:srgbClr val="002060"/>
                 </a:solidFill>
                 <a:latin typeface="Verdana" panose="020B0604030504040204" pitchFamily="34" charset="0"/>
                 <a:ea typeface="Verdana" panose="020B0604030504040204" pitchFamily="34" charset="0"/>
               </a:rPr>
-              <a:t>Point 2 Description</a:t>
+              <a:t>This system can be used by the farmers to know the best crop to grow for maximum yield.</a:t>
             </a:r>
           </a:p>
           <a:p>
@@ -6403,14 +6403,14 @@
               <a:buChar char="•"/>
             </a:pPr>
             <a:r>
-              <a:rPr lang="en-IN" sz="2400" i="1" dirty="0">
+              <a:rPr lang="en-IN" sz="2200" dirty="0">
                 <a:solidFill>
-                  <a:srgbClr val="C00000"/>
+                  <a:srgbClr val="002060"/>
                 </a:solidFill>
                 <a:latin typeface="Verdana" panose="020B0604030504040204" pitchFamily="34" charset="0"/>
                 <a:ea typeface="Verdana" panose="020B0604030504040204" pitchFamily="34" charset="0"/>
               </a:rPr>
-              <a:t>Point 1 Description</a:t>
+              <a:t>It will also help to know the deficiencies of the soil and suggestions to overcome them.</a:t>
             </a:r>
           </a:p>
           <a:p>
@@ -6421,16 +6421,13 @@
               <a:buFont typeface="Arial" panose="020B0604020202020204" pitchFamily="34" charset="0"/>
               <a:buChar char="•"/>
             </a:pPr>
-            <a:r>
-              <a:rPr lang="en-IN" sz="2400" i="1" dirty="0">
-                <a:solidFill>
-                  <a:srgbClr val="002060"/>
-                </a:solidFill>
-                <a:latin typeface="Verdana" panose="020B0604030504040204" pitchFamily="34" charset="0"/>
-                <a:ea typeface="Verdana" panose="020B0604030504040204" pitchFamily="34" charset="0"/>
-              </a:rPr>
-              <a:t>Point 2 Description</a:t>
-            </a:r>
+            <a:endParaRPr lang="en-IN" sz="2200" dirty="0">
+              <a:solidFill>
+                <a:srgbClr val="002060"/>
+              </a:solidFill>
+              <a:latin typeface="Verdana" panose="020B0604030504040204" pitchFamily="34" charset="0"/>
+              <a:ea typeface="Verdana" panose="020B0604030504040204" pitchFamily="34" charset="0"/>
+            </a:endParaRPr>
           </a:p>
         </p:txBody>
       </p:sp>
@@ -6691,6 +6688,86 @@
           <a:bodyPr/>
           <a:lstStyle/>
           <a:p>
+            <a:pPr>
+              <a:buFont typeface="Wingdings" panose="05000000000000000000" pitchFamily="2" charset="2"/>
+              <a:buChar char="Ø"/>
+            </a:pPr>
+            <a:r>
+              <a:rPr lang="en-IN" dirty="0"/>
+              <a:t>Datasets</a:t>
+            </a:r>
+          </a:p>
+          <a:p>
+            <a:r>
+              <a:rPr lang="en-IN" sz="1400" dirty="0">
+                <a:hlinkClick r:id="rId2"/>
+              </a:rPr>
+              <a:t>https://www.kaggle.com/vipoooool/new-plant-diseases-dataset</a:t>
+            </a:r>
+            <a:endParaRPr lang="en-IN" sz="1400" dirty="0"/>
+          </a:p>
+          <a:p>
+            <a:r>
+              <a:rPr lang="en-IN" sz="1400" dirty="0">
+                <a:hlinkClick r:id="rId3"/>
+              </a:rPr>
+              <a:t>https://github.com/Gladiator07/AI-Agriculture/blob/master/Data_final/Final_Data_recomm.csv</a:t>
+            </a:r>
+            <a:endParaRPr lang="en-IN" sz="1400" dirty="0"/>
+          </a:p>
+          <a:p>
+            <a:endParaRPr lang="en-IN" sz="1600" dirty="0"/>
+          </a:p>
+          <a:p>
+            <a:pPr>
+              <a:buFont typeface="Wingdings" panose="05000000000000000000" pitchFamily="2" charset="2"/>
+              <a:buChar char="Ø"/>
+            </a:pPr>
+            <a:r>
+              <a:rPr lang="en-IN" sz="1600" dirty="0"/>
+              <a:t>Papers</a:t>
+            </a:r>
+          </a:p>
+          <a:p>
+            <a:r>
+              <a:rPr lang="en-IN" sz="1400" dirty="0">
+                <a:hlinkClick r:id="rId4"/>
+              </a:rPr>
+              <a:t>https://www.ijrte.org/wp-content/uploads/papers/v7i5c/E10300275C19.pdf</a:t>
+            </a:r>
+            <a:endParaRPr lang="en-IN" sz="1400" dirty="0"/>
+          </a:p>
+          <a:p>
+            <a:r>
+              <a:rPr lang="en-IN" sz="1400" dirty="0">
+                <a:hlinkClick r:id="rId5"/>
+              </a:rPr>
+              <a:t>https://people.cs.umass.edu/~ksankaranara/cropinter.pdf</a:t>
+            </a:r>
+            <a:endParaRPr lang="en-IN" sz="1400" dirty="0"/>
+          </a:p>
+          <a:p>
+            <a:pPr marL="0" indent="0">
+              <a:buNone/>
+            </a:pPr>
+            <a:endParaRPr lang="en-IN" sz="1600" dirty="0"/>
+          </a:p>
+          <a:p>
+            <a:pPr marL="0" indent="0">
+              <a:buNone/>
+            </a:pPr>
+            <a:endParaRPr lang="en-IN" sz="1600" dirty="0"/>
+          </a:p>
+          <a:p>
+            <a:pPr marL="0" indent="0">
+              <a:buNone/>
+            </a:pPr>
+            <a:endParaRPr lang="en-IN" dirty="0"/>
+          </a:p>
+          <a:p>
+            <a:pPr marL="0" indent="0">
+              <a:buNone/>
+            </a:pPr>
             <a:endParaRPr lang="en-IN" dirty="0"/>
           </a:p>
         </p:txBody>
@@ -7558,7 +7635,12 @@
             <p:ph idx="5"/>
           </p:nvPr>
         </p:nvSpPr>
-        <p:spPr/>
+        <p:spPr>
+          <a:xfrm>
+            <a:off x="533400" y="2090901"/>
+            <a:ext cx="8353098" cy="2676198"/>
+          </a:xfrm>
+        </p:spPr>
         <p:txBody>
           <a:bodyPr/>
           <a:lstStyle/>
@@ -7583,7 +7665,7 @@
           <a:p>
             <a:r>
               <a:rPr lang="en-IN" dirty="0"/>
-              <a:t>Cloud</a:t>
+              <a:t>Cloud platform</a:t>
             </a:r>
           </a:p>
           <a:p>
@@ -7681,7 +7763,12 @@
             <p:ph idx="5"/>
           </p:nvPr>
         </p:nvSpPr>
-        <p:spPr/>
+        <p:spPr>
+          <a:xfrm>
+            <a:off x="395451" y="1524000"/>
+            <a:ext cx="8353098" cy="3294996"/>
+          </a:xfrm>
+        </p:spPr>
         <p:txBody>
           <a:bodyPr/>
           <a:lstStyle/>
@@ -7817,12 +7904,12 @@
         <p:spPr>
           <a:xfrm>
             <a:off x="609600" y="990600"/>
-            <a:ext cx="8305800" cy="5410200"/>
+            <a:ext cx="8153400" cy="5410200"/>
           </a:xfrm>
         </p:spPr>
         <p:txBody>
           <a:bodyPr>
-            <a:normAutofit fontScale="85000" lnSpcReduction="10000"/>
+            <a:normAutofit/>
           </a:bodyPr>
           <a:lstStyle/>
           <a:p>
@@ -7838,12 +7925,12 @@
               </a:spcAft>
             </a:pPr>
             <a:r>
-              <a:rPr lang="en-IN" sz="3200" dirty="0">
+              <a:rPr lang="en-IN" sz="1800" dirty="0">
                 <a:solidFill>
                   <a:srgbClr val="0000FF"/>
                 </a:solidFill>
               </a:rPr>
-              <a:t>   Form the groups</a:t>
+              <a:t>   Form the groups – 17/08/2020 to 31/08/2020</a:t>
             </a:r>
           </a:p>
           <a:p>
@@ -7859,12 +7946,12 @@
               </a:spcAft>
             </a:pPr>
             <a:r>
-              <a:rPr lang="en-IN" sz="3200" dirty="0">
+              <a:rPr lang="en-IN" sz="1800" dirty="0">
                 <a:solidFill>
                   <a:srgbClr val="0000FF"/>
                 </a:solidFill>
               </a:rPr>
-              <a:t>   Finalize the Problem Statement</a:t>
+              <a:t>   Finalize the Problem Statement – 01/08/2020 to 14/08/2020</a:t>
             </a:r>
           </a:p>
           <a:p>
@@ -7880,12 +7967,12 @@
               </a:spcAft>
             </a:pPr>
             <a:r>
-              <a:rPr lang="en-IN" sz="3200" dirty="0">
+              <a:rPr lang="en-IN" sz="1800" dirty="0">
                 <a:solidFill>
                   <a:srgbClr val="FFC000"/>
                 </a:solidFill>
               </a:rPr>
-              <a:t>   Understand and practice the tools</a:t>
+              <a:t>   Understand and practice the tools – 14/08/2020 to 31/08/2020</a:t>
             </a:r>
           </a:p>
           <a:p>
@@ -7901,14 +7988,14 @@
               </a:spcAft>
             </a:pPr>
             <a:r>
-              <a:rPr lang="en-IN" sz="3200" dirty="0">
+              <a:rPr lang="en-IN" sz="1800" dirty="0">
                 <a:solidFill>
                   <a:schemeClr val="accent6">
                     <a:lumMod val="50000"/>
                   </a:schemeClr>
                 </a:solidFill>
               </a:rPr>
-              <a:t>   Learn the technology &amp; Design the System</a:t>
+              <a:t>   Learn the technology &amp; Design the System – 01/09/2020 to 						14/09/2020</a:t>
             </a:r>
           </a:p>
           <a:p>
@@ -7924,20 +8011,12 @@
               </a:spcAft>
             </a:pPr>
             <a:r>
-              <a:rPr lang="en-IN" sz="2800" b="1" dirty="0">
+              <a:rPr lang="en-IN" sz="1800" b="1" dirty="0">
                 <a:solidFill>
                   <a:srgbClr val="00B050"/>
                 </a:solidFill>
               </a:rPr>
-              <a:t>   </a:t>
-            </a:r>
-            <a:r>
-              <a:rPr lang="en-IN" sz="3200" b="1" dirty="0">
-                <a:solidFill>
-                  <a:srgbClr val="00B050"/>
-                </a:solidFill>
-              </a:rPr>
-              <a:t>Develop/Select hardware and software </a:t>
+              <a:t>   Develop/Select hardware and software </a:t>
             </a:r>
           </a:p>
           <a:p>
@@ -7954,12 +8033,12 @@
               <a:buNone/>
             </a:pPr>
             <a:r>
-              <a:rPr lang="en-IN" sz="3200" b="1" dirty="0">
+              <a:rPr lang="en-IN" sz="1800" b="1" dirty="0">
                 <a:solidFill>
                   <a:srgbClr val="00B050"/>
                 </a:solidFill>
               </a:rPr>
-              <a:t>    system </a:t>
+              <a:t>    system – 15/09/2020 to 30/11/2020</a:t>
             </a:r>
           </a:p>
           <a:p>
@@ -7975,12 +8054,12 @@
               </a:spcAft>
             </a:pPr>
             <a:r>
-              <a:rPr lang="en-IN" sz="3200" dirty="0">
+              <a:rPr lang="en-IN" sz="1800" dirty="0">
                 <a:solidFill>
                   <a:srgbClr val="002060"/>
                 </a:solidFill>
               </a:rPr>
-              <a:t>   Validation and Testing</a:t>
+              <a:t>   Validation and Testing – 01/12/2020 to 07/12/2020</a:t>
             </a:r>
           </a:p>
           <a:p>
@@ -7996,16 +8075,16 @@
               </a:spcAft>
             </a:pPr>
             <a:r>
-              <a:rPr lang="en-IN" sz="3200" b="1" dirty="0">
+              <a:rPr lang="en-IN" sz="1800" b="1" dirty="0">
                 <a:solidFill>
                   <a:srgbClr val="C00000"/>
                 </a:solidFill>
               </a:rPr>
-              <a:t>   Final Prototype / Product</a:t>
-            </a:r>
-          </a:p>
-          <a:p>
-            <a:endParaRPr lang="en-IN" dirty="0"/>
+              <a:t>   Final Prototype / Product – 10/12/2020</a:t>
+            </a:r>
+          </a:p>
+          <a:p>
+            <a:endParaRPr lang="en-IN" sz="1800" dirty="0"/>
           </a:p>
         </p:txBody>
       </p:sp>
@@ -8099,69 +8178,66 @@
             <p:ph idx="5"/>
           </p:nvPr>
         </p:nvSpPr>
-        <p:spPr/>
+        <p:spPr>
+          <a:xfrm>
+            <a:off x="533400" y="1072963"/>
+            <a:ext cx="8353098" cy="5733396"/>
+          </a:xfrm>
+        </p:spPr>
         <p:txBody>
           <a:bodyPr/>
           <a:lstStyle/>
           <a:p>
-            <a:r>
-              <a:rPr lang="en-IN" dirty="0"/>
-              <a:t>As per the students, how this component has benefitted them.</a:t>
-            </a:r>
-          </a:p>
-          <a:p>
-            <a:r>
-              <a:rPr lang="en-IN" dirty="0"/>
-              <a:t>Which skill set of theirs they feel got enhanced?</a:t>
-            </a:r>
-          </a:p>
-          <a:p>
-            <a:endParaRPr lang="en-IN" b="1" dirty="0">
-              <a:solidFill>
-                <a:srgbClr val="C00000"/>
-              </a:solidFill>
-            </a:endParaRPr>
-          </a:p>
-          <a:p>
-            <a:r>
-              <a:rPr lang="en-IN" b="1" dirty="0">
-                <a:solidFill>
-                  <a:srgbClr val="C00000"/>
-                </a:solidFill>
-              </a:rPr>
-              <a:t>Objective of adding EDI component in the curriculum was to-</a:t>
-            </a:r>
-          </a:p>
-          <a:p>
             <a:pPr>
-              <a:buFont typeface="Wingdings" pitchFamily="2" charset="2"/>
+              <a:buFont typeface="Wingdings" panose="05000000000000000000" pitchFamily="2" charset="2"/>
               <a:buChar char="Ø"/>
             </a:pPr>
             <a:r>
-              <a:rPr lang="en-IN" b="1" dirty="0"/>
-              <a:t>Enhance Research And Innovation Culture</a:t>
-            </a:r>
-          </a:p>
-          <a:p>
-            <a:pPr>
-              <a:buFont typeface="Wingdings" pitchFamily="2" charset="2"/>
-              <a:buChar char="Ø"/>
-            </a:pPr>
-            <a:r>
-              <a:rPr lang="en-IN" b="1" dirty="0"/>
-              <a:t>Get the students Opportunity to learn and apply latest tools &amp; technologies</a:t>
-            </a:r>
-          </a:p>
-          <a:p>
-            <a:pPr>
-              <a:buFont typeface="Wingdings" pitchFamily="2" charset="2"/>
-              <a:buChar char="Ø"/>
-            </a:pPr>
-            <a:r>
-              <a:rPr lang="en-IN" b="1" dirty="0"/>
-              <a:t>Enhance the self-study culture through use of resource materials</a:t>
-            </a:r>
-            <a:endParaRPr lang="en-IN" dirty="0"/>
+              <a:rPr lang="en-IN" dirty="0"/>
+              <a:t>Skills developed will be:</a:t>
+            </a:r>
+          </a:p>
+          <a:p>
+            <a:r>
+              <a:rPr lang="en-IN" dirty="0"/>
+              <a:t>Web Development using flask as backend</a:t>
+            </a:r>
+          </a:p>
+          <a:p>
+            <a:r>
+              <a:rPr lang="en-IN" dirty="0"/>
+              <a:t>Data pre-processing, augmentation and cleaning</a:t>
+            </a:r>
+          </a:p>
+          <a:p>
+            <a:r>
+              <a:rPr lang="en-IN" dirty="0"/>
+              <a:t>Machine Learning </a:t>
+            </a:r>
+          </a:p>
+          <a:p>
+            <a:r>
+              <a:rPr lang="en-IN" dirty="0"/>
+              <a:t>Convolutional Neural Networks</a:t>
+            </a:r>
+          </a:p>
+          <a:p>
+            <a:r>
+              <a:rPr lang="en-IN" dirty="0"/>
+              <a:t>Cloud deployment</a:t>
+            </a:r>
+          </a:p>
+          <a:p>
+            <a:r>
+              <a:rPr lang="en-IN" dirty="0"/>
+              <a:t>Scaling the project</a:t>
+            </a:r>
+          </a:p>
+          <a:p>
+            <a:r>
+              <a:rPr lang="en-IN" dirty="0"/>
+              <a:t>Development of an end-to-end application </a:t>
+            </a:r>
           </a:p>
         </p:txBody>
       </p:sp>
@@ -8255,13 +8331,21 @@
             <p:ph idx="5"/>
           </p:nvPr>
         </p:nvSpPr>
-        <p:spPr/>
-        <p:txBody>
-          <a:bodyPr/>
-          <a:lstStyle/>
-          <a:p>
-            <a:r>
-              <a:rPr lang="en-IN" dirty="0"/>
+        <p:spPr>
+          <a:xfrm>
+            <a:off x="395451" y="2740467"/>
+            <a:ext cx="8353098" cy="1329883"/>
+          </a:xfrm>
+        </p:spPr>
+        <p:txBody>
+          <a:bodyPr>
+            <a:normAutofit/>
+          </a:bodyPr>
+          <a:lstStyle/>
+          <a:p>
+            <a:pPr algn="ctr"/>
+            <a:r>
+              <a:rPr lang="en-IN" sz="2200" dirty="0"/>
               <a:t>As these project is solely software based it does not require any capital investment</a:t>
             </a:r>
           </a:p>

--- a/Docs/ICA_G5_ML_Crop_Consultant.pptx
+++ b/Docs/ICA_G5_ML_Crop_Consultant.pptx
@@ -3936,13 +3936,13 @@
         </p:nvSpPr>
         <p:spPr>
           <a:xfrm>
-            <a:off x="2667000" y="3804355"/>
+            <a:off x="2511778" y="3804355"/>
             <a:ext cx="3810000" cy="533400"/>
           </a:xfrm>
         </p:spPr>
         <p:txBody>
           <a:bodyPr>
-            <a:normAutofit lnSpcReduction="10000"/>
+            <a:normAutofit fontScale="85000" lnSpcReduction="10000"/>
           </a:bodyPr>
           <a:lstStyle/>
           <a:p>
@@ -3953,7 +3953,7 @@
                   <a:srgbClr val="C00000"/>
                 </a:solidFill>
               </a:rPr>
-              <a:t>Guide : Milind Rane</a:t>
+              <a:t>Guide : Prof. Milind Rane</a:t>
             </a:r>
           </a:p>
         </p:txBody>
@@ -4005,8 +4005,8 @@
         </p:nvSpPr>
         <p:spPr>
           <a:xfrm>
-            <a:off x="2667000" y="4541660"/>
-            <a:ext cx="3810000" cy="1446550"/>
+            <a:off x="2438400" y="4541660"/>
+            <a:ext cx="3581400" cy="1446550"/>
           </a:xfrm>
           <a:prstGeom prst="rect">
             <a:avLst/>
@@ -7951,7 +7951,7 @@
                   <a:srgbClr val="0000FF"/>
                 </a:solidFill>
               </a:rPr>
-              <a:t>   Finalize the Problem Statement – 01/08/2020 to 14/08/2020</a:t>
+              <a:t>   Finalize the Problem Statement – 01/09/2020 to 14/09/2020</a:t>
             </a:r>
           </a:p>
           <a:p>
@@ -7972,7 +7972,7 @@
                   <a:srgbClr val="FFC000"/>
                 </a:solidFill>
               </a:rPr>
-              <a:t>   Understand and practice the tools – 14/08/2020 to 31/08/2020</a:t>
+              <a:t>   Understand and practice the tools – 14/09/2020 to 31/09/2020</a:t>
             </a:r>
           </a:p>
           <a:p>
@@ -7995,7 +7995,7 @@
                   </a:schemeClr>
                 </a:solidFill>
               </a:rPr>
-              <a:t>   Learn the technology &amp; Design the System – 01/09/2020 to 						14/09/2020</a:t>
+              <a:t>   Learn the technology &amp; Design the System – 01/10/2020 to 						14/10/2020</a:t>
             </a:r>
           </a:p>
           <a:p>
@@ -8038,7 +8038,7 @@
                   <a:srgbClr val="00B050"/>
                 </a:solidFill>
               </a:rPr>
-              <a:t>    system – 15/09/2020 to 30/11/2020</a:t>
+              <a:t>    system – 15/10/2020 to 30/11/2020</a:t>
             </a:r>
           </a:p>
           <a:p>

--- a/Docs/ICA_G5_ML_Crop_Consultant.pptx
+++ b/Docs/ICA_G5_ML_Crop_Consultant.pptx
@@ -225,7 +225,7 @@
             <a:fld id="{3CA44751-DEF6-40E3-8526-EC9A0AE72A1D}" type="datetimeFigureOut">
               <a:rPr lang="en-US" smtClean="0"/>
               <a:pPr/>
-              <a:t>10/29/2020</a:t>
+              <a:t>10/30/2020</a:t>
             </a:fld>
             <a:endParaRPr lang="en-US"/>
           </a:p>
@@ -6061,10 +6061,10 @@
       </p:sp>
       <p:pic>
         <p:nvPicPr>
-          <p:cNvPr id="2" name="Picture 1">
+          <p:cNvPr id="4" name="Picture 3">
             <a:extLst>
               <a:ext uri="{FF2B5EF4-FFF2-40B4-BE49-F238E27FC236}">
-                <a16:creationId xmlns:a16="http://schemas.microsoft.com/office/drawing/2014/main" id="{B302A0C6-8B9A-4D85-8D98-E306FD44B912}"/>
+                <a16:creationId xmlns:a16="http://schemas.microsoft.com/office/drawing/2014/main" id="{19B118F2-A29D-449F-B11B-A0EB6F66FD87}"/>
               </a:ext>
             </a:extLst>
           </p:cNvPr>
@@ -6081,8 +6081,8 @@
         </p:blipFill>
         <p:spPr>
           <a:xfrm>
-            <a:off x="723900" y="1066800"/>
-            <a:ext cx="7696200" cy="3460870"/>
+            <a:off x="856918" y="990600"/>
+            <a:ext cx="7658764" cy="3581710"/>
           </a:xfrm>
           <a:prstGeom prst="rect">
             <a:avLst/>
